--- a/HAVV-Analysis.pptx
+++ b/HAVV-Analysis.pptx
@@ -22,7 +22,7 @@
     <p:sldId id="276" r:id="rId13"/>
     <p:sldId id="272" r:id="rId14"/>
     <p:sldId id="288" r:id="rId15"/>
-    <p:sldId id="290" r:id="rId16"/>
+    <p:sldId id="289" r:id="rId16"/>
   </p:sldIdLst>
   <p:sldSz cx="12192000" cy="6858000"/>
   <p:notesSz cx="6858000" cy="9144000"/>
@@ -7422,7 +7422,7 @@
         </p:blipFill>
         <p:spPr>
           <a:xfrm>
-            <a:off x="9338945" y="2350285"/>
+            <a:off x="9338945" y="2370923"/>
             <a:ext cx="2181225" cy="733425"/>
           </a:xfrm>
           <a:prstGeom prst="rect">
@@ -7460,10 +7460,70 @@
           </a:prstGeom>
         </p:spPr>
       </p:pic>
+      <p:pic>
+        <p:nvPicPr>
+          <p:cNvPr id="6" name="Picture 5">
+            <a:extLst>
+              <a:ext uri="{FF2B5EF4-FFF2-40B4-BE49-F238E27FC236}">
+                <a16:creationId xmlns:a16="http://schemas.microsoft.com/office/drawing/2014/main" id="{20B2E11B-3C30-6D16-C38B-C8D5D648F274}"/>
+              </a:ext>
+            </a:extLst>
+          </p:cNvPr>
+          <p:cNvPicPr>
+            <a:picLocks noChangeAspect="1"/>
+          </p:cNvPicPr>
+          <p:nvPr/>
+        </p:nvPicPr>
+        <p:blipFill>
+          <a:blip r:embed="rId11"/>
+          <a:stretch>
+            <a:fillRect/>
+          </a:stretch>
+        </p:blipFill>
+        <p:spPr>
+          <a:xfrm>
+            <a:off x="928052" y="2787244"/>
+            <a:ext cx="2857500" cy="609600"/>
+          </a:xfrm>
+          <a:prstGeom prst="rect">
+            <a:avLst/>
+          </a:prstGeom>
+        </p:spPr>
+      </p:pic>
+      <p:pic>
+        <p:nvPicPr>
+          <p:cNvPr id="16" name="Picture 15">
+            <a:extLst>
+              <a:ext uri="{FF2B5EF4-FFF2-40B4-BE49-F238E27FC236}">
+                <a16:creationId xmlns:a16="http://schemas.microsoft.com/office/drawing/2014/main" id="{47AEF844-A9C3-D834-7CAB-A98D7EEA1D0B}"/>
+              </a:ext>
+            </a:extLst>
+          </p:cNvPr>
+          <p:cNvPicPr>
+            <a:picLocks noChangeAspect="1"/>
+          </p:cNvPicPr>
+          <p:nvPr/>
+        </p:nvPicPr>
+        <p:blipFill>
+          <a:blip r:embed="rId12"/>
+          <a:stretch>
+            <a:fillRect/>
+          </a:stretch>
+        </p:blipFill>
+        <p:spPr>
+          <a:xfrm>
+            <a:off x="928052" y="3202139"/>
+            <a:ext cx="2857500" cy="638175"/>
+          </a:xfrm>
+          <a:prstGeom prst="rect">
+            <a:avLst/>
+          </a:prstGeom>
+        </p:spPr>
+      </p:pic>
     </p:spTree>
     <p:extLst>
       <p:ext uri="{BB962C8B-B14F-4D97-AF65-F5344CB8AC3E}">
-        <p14:creationId xmlns:p14="http://schemas.microsoft.com/office/powerpoint/2010/main" val="412352550"/>
+        <p14:creationId xmlns:p14="http://schemas.microsoft.com/office/powerpoint/2010/main" val="3399997154"/>
       </p:ext>
     </p:extLst>
   </p:cSld>
